--- a/Презентация Соколов П2-17.pptx
+++ b/Презентация Соколов П2-17.pptx
@@ -1051,7 +1051,7 @@
   <p:cSld>
     <p:spTree>
       <p:nvGrpSpPr>
-        <p:cNvPr id="153" name="Shape 153"/>
+        <p:cNvPr id="151" name="Shape 151"/>
         <p:cNvGrpSpPr/>
         <p:nvPr/>
       </p:nvGrpSpPr>
@@ -1065,7 +1065,7 @@
       </p:grpSpPr>
       <p:sp>
         <p:nvSpPr>
-          <p:cNvPr id="154" name="Google Shape;154;g8a17d9e4d6_0_10:notes"/>
+          <p:cNvPr id="152" name="Google Shape;152;g8a17d9e4d6_0_10:notes"/>
           <p:cNvSpPr/>
           <p:nvPr>
             <p:ph idx="2" type="sldImg"/>
@@ -1100,7 +1100,7 @@
       </p:sp>
       <p:sp>
         <p:nvSpPr>
-          <p:cNvPr id="155" name="Google Shape;155;g8a17d9e4d6_0_10:notes"/>
+          <p:cNvPr id="153" name="Google Shape;153;g8a17d9e4d6_0_10:notes"/>
           <p:cNvSpPr txBox="1"/>
           <p:nvPr>
             <p:ph idx="1" type="body"/>
@@ -1150,7 +1150,7 @@
   <p:cSld>
     <p:spTree>
       <p:nvGrpSpPr>
-        <p:cNvPr id="159" name="Shape 159"/>
+        <p:cNvPr id="157" name="Shape 157"/>
         <p:cNvGrpSpPr/>
         <p:nvPr/>
       </p:nvGrpSpPr>
@@ -1164,7 +1164,7 @@
       </p:grpSpPr>
       <p:sp>
         <p:nvSpPr>
-          <p:cNvPr id="160" name="Google Shape;160;p3:notes"/>
+          <p:cNvPr id="158" name="Google Shape;158;p3:notes"/>
           <p:cNvSpPr txBox="1"/>
           <p:nvPr>
             <p:ph idx="1" type="body"/>
@@ -1211,7 +1211,7 @@
       </p:sp>
       <p:sp>
         <p:nvSpPr>
-          <p:cNvPr id="161" name="Google Shape;161;p3:notes"/>
+          <p:cNvPr id="159" name="Google Shape;159;p3:notes"/>
           <p:cNvSpPr/>
           <p:nvPr>
             <p:ph idx="2" type="sldImg"/>
@@ -1267,7 +1267,7 @@
   <p:cSld>
     <p:spTree>
       <p:nvGrpSpPr>
-        <p:cNvPr id="165" name="Shape 165"/>
+        <p:cNvPr id="163" name="Shape 163"/>
         <p:cNvGrpSpPr/>
         <p:nvPr/>
       </p:nvGrpSpPr>
@@ -1281,7 +1281,7 @@
       </p:grpSpPr>
       <p:sp>
         <p:nvSpPr>
-          <p:cNvPr id="166" name="Google Shape;166;p4:notes"/>
+          <p:cNvPr id="164" name="Google Shape;164;p4:notes"/>
           <p:cNvSpPr txBox="1"/>
           <p:nvPr>
             <p:ph idx="1" type="body"/>
@@ -1328,7 +1328,7 @@
       </p:sp>
       <p:sp>
         <p:nvSpPr>
-          <p:cNvPr id="167" name="Google Shape;167;p4:notes"/>
+          <p:cNvPr id="165" name="Google Shape;165;p4:notes"/>
           <p:cNvSpPr/>
           <p:nvPr>
             <p:ph idx="2" type="sldImg"/>
@@ -1384,7 +1384,7 @@
   <p:cSld>
     <p:spTree>
       <p:nvGrpSpPr>
-        <p:cNvPr id="171" name="Shape 171"/>
+        <p:cNvPr id="169" name="Shape 169"/>
         <p:cNvGrpSpPr/>
         <p:nvPr/>
       </p:nvGrpSpPr>
@@ -1398,7 +1398,7 @@
       </p:grpSpPr>
       <p:sp>
         <p:nvSpPr>
-          <p:cNvPr id="172" name="Google Shape;172;p5:notes"/>
+          <p:cNvPr id="170" name="Google Shape;170;p5:notes"/>
           <p:cNvSpPr txBox="1"/>
           <p:nvPr>
             <p:ph idx="1" type="body"/>
@@ -1445,7 +1445,7 @@
       </p:sp>
       <p:sp>
         <p:nvSpPr>
-          <p:cNvPr id="173" name="Google Shape;173;p5:notes"/>
+          <p:cNvPr id="171" name="Google Shape;171;p5:notes"/>
           <p:cNvSpPr/>
           <p:nvPr>
             <p:ph idx="2" type="sldImg"/>
@@ -1501,7 +1501,7 @@
   <p:cSld>
     <p:spTree>
       <p:nvGrpSpPr>
-        <p:cNvPr id="177" name="Shape 177"/>
+        <p:cNvPr id="175" name="Shape 175"/>
         <p:cNvGrpSpPr/>
         <p:nvPr/>
       </p:nvGrpSpPr>
@@ -1515,7 +1515,7 @@
       </p:grpSpPr>
       <p:sp>
         <p:nvSpPr>
-          <p:cNvPr id="178" name="Google Shape;178;p7:notes"/>
+          <p:cNvPr id="176" name="Google Shape;176;p7:notes"/>
           <p:cNvSpPr txBox="1"/>
           <p:nvPr>
             <p:ph idx="1" type="body"/>
@@ -1562,7 +1562,7 @@
       </p:sp>
       <p:sp>
         <p:nvSpPr>
-          <p:cNvPr id="179" name="Google Shape;179;p7:notes"/>
+          <p:cNvPr id="177" name="Google Shape;177;p7:notes"/>
           <p:cNvSpPr/>
           <p:nvPr>
             <p:ph idx="2" type="sldImg"/>
@@ -1618,7 +1618,7 @@
   <p:cSld>
     <p:spTree>
       <p:nvGrpSpPr>
-        <p:cNvPr id="183" name="Shape 183"/>
+        <p:cNvPr id="181" name="Shape 181"/>
         <p:cNvGrpSpPr/>
         <p:nvPr/>
       </p:nvGrpSpPr>
@@ -1632,7 +1632,7 @@
       </p:grpSpPr>
       <p:sp>
         <p:nvSpPr>
-          <p:cNvPr id="184" name="Google Shape;184;p8:notes"/>
+          <p:cNvPr id="182" name="Google Shape;182;p8:notes"/>
           <p:cNvSpPr txBox="1"/>
           <p:nvPr>
             <p:ph idx="1" type="body"/>
@@ -1679,7 +1679,7 @@
       </p:sp>
       <p:sp>
         <p:nvSpPr>
-          <p:cNvPr id="185" name="Google Shape;185;p8:notes"/>
+          <p:cNvPr id="183" name="Google Shape;183;p8:notes"/>
           <p:cNvSpPr/>
           <p:nvPr>
             <p:ph idx="2" type="sldImg"/>
@@ -21589,92 +21589,6 @@
           </a:p>
         </p:txBody>
       </p:sp>
-      <p:pic>
-        <p:nvPicPr>
-          <p:cNvPr id="151" name="Google Shape;151;p19"/>
-          <p:cNvPicPr preferRelativeResize="0"/>
-          <p:nvPr/>
-        </p:nvPicPr>
-        <p:blipFill>
-          <a:blip r:embed="rId3">
-            <a:alphaModFix/>
-          </a:blip>
-          <a:stretch>
-            <a:fillRect/>
-          </a:stretch>
-        </p:blipFill>
-        <p:spPr>
-          <a:xfrm>
-            <a:off x="2535612" y="3106000"/>
-            <a:ext cx="4880225" cy="3515125"/>
-          </a:xfrm>
-          <a:prstGeom prst="rect">
-            <a:avLst/>
-          </a:prstGeom>
-          <a:noFill/>
-          <a:ln>
-            <a:noFill/>
-          </a:ln>
-        </p:spPr>
-      </p:pic>
-      <p:sp>
-        <p:nvSpPr>
-          <p:cNvPr id="152" name="Google Shape;152;p19"/>
-          <p:cNvSpPr txBox="1"/>
-          <p:nvPr/>
-        </p:nvSpPr>
-        <p:spPr>
-          <a:xfrm>
-            <a:off x="3110763" y="2423750"/>
-            <a:ext cx="3911100" cy="480300"/>
-          </a:xfrm>
-          <a:prstGeom prst="rect">
-            <a:avLst/>
-          </a:prstGeom>
-          <a:noFill/>
-          <a:ln>
-            <a:noFill/>
-          </a:ln>
-        </p:spPr>
-        <p:txBody>
-          <a:bodyPr anchorCtr="0" anchor="t" bIns="91425" lIns="91425" spcFirstLastPara="1" rIns="91425" wrap="square" tIns="91425">
-            <a:noAutofit/>
-          </a:bodyPr>
-          <a:lstStyle/>
-          <a:p>
-            <a:pPr indent="0" lvl="0" marL="0" rtl="0" algn="l">
-              <a:spcBef>
-                <a:spcPts val="1000"/>
-              </a:spcBef>
-              <a:spcAft>
-                <a:spcPts val="0"/>
-              </a:spcAft>
-              <a:buNone/>
-            </a:pPr>
-            <a:r>
-              <a:rPr lang="ru-RU" sz="2800">
-                <a:solidFill>
-                  <a:srgbClr val="7F7F7F"/>
-                </a:solidFill>
-                <a:latin typeface="Trebuchet MS"/>
-                <a:ea typeface="Trebuchet MS"/>
-                <a:cs typeface="Trebuchet MS"/>
-                <a:sym typeface="Trebuchet MS"/>
-              </a:rPr>
-              <a:t>Таблица сравнения</a:t>
-            </a:r>
-            <a:endParaRPr sz="2800">
-              <a:solidFill>
-                <a:srgbClr val="7F7F7F"/>
-              </a:solidFill>
-              <a:latin typeface="Trebuchet MS"/>
-              <a:ea typeface="Trebuchet MS"/>
-              <a:cs typeface="Trebuchet MS"/>
-              <a:sym typeface="Trebuchet MS"/>
-            </a:endParaRPr>
-          </a:p>
-        </p:txBody>
-      </p:sp>
     </p:spTree>
   </p:cSld>
   <p:clrMapOvr>
@@ -21688,7 +21602,7 @@
   <p:cSld>
     <p:spTree>
       <p:nvGrpSpPr>
-        <p:cNvPr id="156" name="Shape 156"/>
+        <p:cNvPr id="154" name="Shape 154"/>
         <p:cNvGrpSpPr/>
         <p:nvPr/>
       </p:nvGrpSpPr>
@@ -21702,7 +21616,7 @@
       </p:grpSpPr>
       <p:sp>
         <p:nvSpPr>
-          <p:cNvPr id="157" name="Google Shape;157;p20"/>
+          <p:cNvPr id="155" name="Google Shape;155;p20"/>
           <p:cNvSpPr txBox="1"/>
           <p:nvPr>
             <p:ph type="title"/>
@@ -21754,7 +21668,7 @@
       </p:sp>
       <p:pic>
         <p:nvPicPr>
-          <p:cNvPr id="158" name="Google Shape;158;p20"/>
+          <p:cNvPr id="156" name="Google Shape;156;p20"/>
           <p:cNvPicPr preferRelativeResize="0"/>
           <p:nvPr/>
         </p:nvPicPr>
@@ -21793,7 +21707,7 @@
   <p:cSld>
     <p:spTree>
       <p:nvGrpSpPr>
-        <p:cNvPr id="162" name="Shape 162"/>
+        <p:cNvPr id="160" name="Shape 160"/>
         <p:cNvGrpSpPr/>
         <p:nvPr/>
       </p:nvGrpSpPr>
@@ -21807,7 +21721,7 @@
       </p:grpSpPr>
       <p:sp>
         <p:nvSpPr>
-          <p:cNvPr id="163" name="Google Shape;163;p21"/>
+          <p:cNvPr id="161" name="Google Shape;161;p21"/>
           <p:cNvSpPr txBox="1"/>
           <p:nvPr>
             <p:ph type="title"/>
@@ -21859,7 +21773,7 @@
       </p:sp>
       <p:pic>
         <p:nvPicPr>
-          <p:cNvPr id="164" name="Google Shape;164;p21"/>
+          <p:cNvPr id="162" name="Google Shape;162;p21"/>
           <p:cNvPicPr preferRelativeResize="0"/>
           <p:nvPr/>
         </p:nvPicPr>
@@ -21898,7 +21812,7 @@
   <p:cSld>
     <p:spTree>
       <p:nvGrpSpPr>
-        <p:cNvPr id="168" name="Shape 168"/>
+        <p:cNvPr id="166" name="Shape 166"/>
         <p:cNvGrpSpPr/>
         <p:nvPr/>
       </p:nvGrpSpPr>
@@ -21912,7 +21826,7 @@
       </p:grpSpPr>
       <p:sp>
         <p:nvSpPr>
-          <p:cNvPr id="169" name="Google Shape;169;p22"/>
+          <p:cNvPr id="167" name="Google Shape;167;p22"/>
           <p:cNvSpPr txBox="1"/>
           <p:nvPr>
             <p:ph type="title"/>
@@ -21964,7 +21878,7 @@
       </p:sp>
       <p:pic>
         <p:nvPicPr>
-          <p:cNvPr id="170" name="Google Shape;170;p22"/>
+          <p:cNvPr id="168" name="Google Shape;168;p22"/>
           <p:cNvPicPr preferRelativeResize="0"/>
           <p:nvPr/>
         </p:nvPicPr>
@@ -22003,7 +21917,7 @@
   <p:cSld>
     <p:spTree>
       <p:nvGrpSpPr>
-        <p:cNvPr id="174" name="Shape 174"/>
+        <p:cNvPr id="172" name="Shape 172"/>
         <p:cNvGrpSpPr/>
         <p:nvPr/>
       </p:nvGrpSpPr>
@@ -22017,7 +21931,7 @@
       </p:grpSpPr>
       <p:sp>
         <p:nvSpPr>
-          <p:cNvPr id="175" name="Google Shape;175;p23"/>
+          <p:cNvPr id="173" name="Google Shape;173;p23"/>
           <p:cNvSpPr txBox="1"/>
           <p:nvPr>
             <p:ph type="title"/>
@@ -22069,7 +21983,7 @@
       </p:sp>
       <p:pic>
         <p:nvPicPr>
-          <p:cNvPr id="176" name="Google Shape;176;p23"/>
+          <p:cNvPr id="174" name="Google Shape;174;p23"/>
           <p:cNvPicPr preferRelativeResize="0"/>
           <p:nvPr/>
         </p:nvPicPr>
@@ -22108,7 +22022,7 @@
   <p:cSld>
     <p:spTree>
       <p:nvGrpSpPr>
-        <p:cNvPr id="180" name="Shape 180"/>
+        <p:cNvPr id="178" name="Shape 178"/>
         <p:cNvGrpSpPr/>
         <p:nvPr/>
       </p:nvGrpSpPr>
@@ -22122,7 +22036,7 @@
       </p:grpSpPr>
       <p:sp>
         <p:nvSpPr>
-          <p:cNvPr id="181" name="Google Shape;181;p24"/>
+          <p:cNvPr id="179" name="Google Shape;179;p24"/>
           <p:cNvSpPr txBox="1"/>
           <p:nvPr>
             <p:ph type="title"/>
@@ -22178,7 +22092,7 @@
       </p:sp>
       <p:pic>
         <p:nvPicPr>
-          <p:cNvPr id="182" name="Google Shape;182;p24"/>
+          <p:cNvPr id="180" name="Google Shape;180;p24"/>
           <p:cNvPicPr preferRelativeResize="0"/>
           <p:nvPr/>
         </p:nvPicPr>
@@ -22217,7 +22131,7 @@
   <p:cSld>
     <p:spTree>
       <p:nvGrpSpPr>
-        <p:cNvPr id="186" name="Shape 186"/>
+        <p:cNvPr id="184" name="Shape 184"/>
         <p:cNvGrpSpPr/>
         <p:nvPr/>
       </p:nvGrpSpPr>
@@ -22231,7 +22145,7 @@
       </p:grpSpPr>
       <p:sp>
         <p:nvSpPr>
-          <p:cNvPr id="187" name="Google Shape;187;p25"/>
+          <p:cNvPr id="185" name="Google Shape;185;p25"/>
           <p:cNvSpPr txBox="1"/>
           <p:nvPr/>
         </p:nvSpPr>

--- a/Презентация Соколов П2-17.pptx
+++ b/Презентация Соколов П2-17.pptx
@@ -16,6 +16,12 @@
     <p:sldId id="261" r:id="rId10"/>
     <p:sldId id="262" r:id="rId11"/>
     <p:sldId id="263" r:id="rId12"/>
+    <p:sldId id="264" r:id="rId13"/>
+    <p:sldId id="265" r:id="rId14"/>
+    <p:sldId id="266" r:id="rId15"/>
+    <p:sldId id="267" r:id="rId16"/>
+    <p:sldId id="268" r:id="rId17"/>
+    <p:sldId id="269" r:id="rId18"/>
   </p:sldIdLst>
   <p:sldSz cy="6858000" cx="12192000"/>
   <p:notesSz cx="6858000" cy="9144000"/>
@@ -929,6 +935,519 @@
 </p:notes>
 </file>
 
+<file path=ppt/notesSlides/notesSlide10.xml><?xml version="1.0" encoding="utf-8"?>
+<p:notes xmlns:a="http://schemas.openxmlformats.org/drawingml/2006/main" xmlns:r="http://schemas.openxmlformats.org/officeDocument/2006/relationships" xmlns:mc="http://schemas.openxmlformats.org/markup-compatibility/2006" xmlns:mv="urn:schemas-microsoft-com:mac:vml" xmlns:p="http://schemas.openxmlformats.org/presentationml/2006/main" xmlns:c="http://schemas.openxmlformats.org/drawingml/2006/chart" xmlns:dgm="http://schemas.openxmlformats.org/drawingml/2006/diagram" xmlns:o="urn:schemas-microsoft-com:office:office" xmlns:v="urn:schemas-microsoft-com:vml" xmlns:pvml="urn:schemas-microsoft-com:office:powerpoint" xmlns:com="http://schemas.openxmlformats.org/drawingml/2006/compatibility" xmlns:p14="http://schemas.microsoft.com/office/powerpoint/2010/main" xmlns:p15="http://schemas.microsoft.com/office/powerpoint/2012/main" showMasterPhAnim="0" showMasterSp="0">
+  <p:cSld>
+    <p:spTree>
+      <p:nvGrpSpPr>
+        <p:cNvPr id="193" name="Shape 193"/>
+        <p:cNvGrpSpPr/>
+        <p:nvPr/>
+      </p:nvGrpSpPr>
+      <p:grpSpPr>
+        <a:xfrm>
+          <a:off x="0" y="0"/>
+          <a:ext cx="0" cy="0"/>
+          <a:chOff x="0" y="0"/>
+          <a:chExt cx="0" cy="0"/>
+        </a:xfrm>
+      </p:grpSpPr>
+      <p:sp>
+        <p:nvSpPr>
+          <p:cNvPr id="194" name="Google Shape;194;g8a17d9e4d6_0_29:notes"/>
+          <p:cNvSpPr/>
+          <p:nvPr>
+            <p:ph idx="2" type="sldImg"/>
+          </p:nvPr>
+        </p:nvSpPr>
+        <p:spPr>
+          <a:xfrm>
+            <a:off x="1143225" y="685800"/>
+            <a:ext cx="4572300" cy="3429000"/>
+          </a:xfrm>
+          <a:custGeom>
+            <a:rect b="b" l="l" r="r" t="t"/>
+            <a:pathLst>
+              <a:path extrusionOk="0" h="120000" w="120000">
+                <a:moveTo>
+                  <a:pt x="0" y="0"/>
+                </a:moveTo>
+                <a:lnTo>
+                  <a:pt x="120000" y="0"/>
+                </a:lnTo>
+                <a:lnTo>
+                  <a:pt x="120000" y="120000"/>
+                </a:lnTo>
+                <a:lnTo>
+                  <a:pt x="0" y="120000"/>
+                </a:lnTo>
+                <a:close/>
+              </a:path>
+            </a:pathLst>
+          </a:custGeom>
+        </p:spPr>
+      </p:sp>
+      <p:sp>
+        <p:nvSpPr>
+          <p:cNvPr id="195" name="Google Shape;195;g8a17d9e4d6_0_29:notes"/>
+          <p:cNvSpPr txBox="1"/>
+          <p:nvPr>
+            <p:ph idx="1" type="body"/>
+          </p:nvPr>
+        </p:nvSpPr>
+        <p:spPr>
+          <a:xfrm>
+            <a:off x="685800" y="4343400"/>
+            <a:ext cx="5486400" cy="4114800"/>
+          </a:xfrm>
+          <a:prstGeom prst="rect">
+            <a:avLst/>
+          </a:prstGeom>
+        </p:spPr>
+        <p:txBody>
+          <a:bodyPr anchorCtr="0" anchor="t" bIns="91425" lIns="91425" spcFirstLastPara="1" rIns="91425" wrap="square" tIns="91425">
+            <a:noAutofit/>
+          </a:bodyPr>
+          <a:lstStyle/>
+          <a:p>
+            <a:pPr indent="0" lvl="0" marL="0" rtl="0" algn="l">
+              <a:spcBef>
+                <a:spcPts val="0"/>
+              </a:spcBef>
+              <a:spcAft>
+                <a:spcPts val="0"/>
+              </a:spcAft>
+              <a:buNone/>
+            </a:pPr>
+            <a:r>
+              <a:t/>
+            </a:r>
+            <a:endParaRPr/>
+          </a:p>
+        </p:txBody>
+      </p:sp>
+    </p:spTree>
+  </p:cSld>
+  <p:clrMapOvr>
+    <a:masterClrMapping/>
+  </p:clrMapOvr>
+</p:notes>
+</file>
+
+<file path=ppt/notesSlides/notesSlide11.xml><?xml version="1.0" encoding="utf-8"?>
+<p:notes xmlns:a="http://schemas.openxmlformats.org/drawingml/2006/main" xmlns:r="http://schemas.openxmlformats.org/officeDocument/2006/relationships" xmlns:mc="http://schemas.openxmlformats.org/markup-compatibility/2006" xmlns:mv="urn:schemas-microsoft-com:mac:vml" xmlns:p="http://schemas.openxmlformats.org/presentationml/2006/main" xmlns:c="http://schemas.openxmlformats.org/drawingml/2006/chart" xmlns:dgm="http://schemas.openxmlformats.org/drawingml/2006/diagram" xmlns:o="urn:schemas-microsoft-com:office:office" xmlns:v="urn:schemas-microsoft-com:vml" xmlns:pvml="urn:schemas-microsoft-com:office:powerpoint" xmlns:com="http://schemas.openxmlformats.org/drawingml/2006/compatibility" xmlns:p14="http://schemas.microsoft.com/office/powerpoint/2010/main" xmlns:p15="http://schemas.microsoft.com/office/powerpoint/2012/main" showMasterPhAnim="0" showMasterSp="0">
+  <p:cSld>
+    <p:spTree>
+      <p:nvGrpSpPr>
+        <p:cNvPr id="199" name="Shape 199"/>
+        <p:cNvGrpSpPr/>
+        <p:nvPr/>
+      </p:nvGrpSpPr>
+      <p:grpSpPr>
+        <a:xfrm>
+          <a:off x="0" y="0"/>
+          <a:ext cx="0" cy="0"/>
+          <a:chOff x="0" y="0"/>
+          <a:chExt cx="0" cy="0"/>
+        </a:xfrm>
+      </p:grpSpPr>
+      <p:sp>
+        <p:nvSpPr>
+          <p:cNvPr id="200" name="Google Shape;200;g8a17d9e4d6_0_34:notes"/>
+          <p:cNvSpPr/>
+          <p:nvPr>
+            <p:ph idx="2" type="sldImg"/>
+          </p:nvPr>
+        </p:nvSpPr>
+        <p:spPr>
+          <a:xfrm>
+            <a:off x="1143225" y="685800"/>
+            <a:ext cx="4572300" cy="3429000"/>
+          </a:xfrm>
+          <a:custGeom>
+            <a:rect b="b" l="l" r="r" t="t"/>
+            <a:pathLst>
+              <a:path extrusionOk="0" h="120000" w="120000">
+                <a:moveTo>
+                  <a:pt x="0" y="0"/>
+                </a:moveTo>
+                <a:lnTo>
+                  <a:pt x="120000" y="0"/>
+                </a:lnTo>
+                <a:lnTo>
+                  <a:pt x="120000" y="120000"/>
+                </a:lnTo>
+                <a:lnTo>
+                  <a:pt x="0" y="120000"/>
+                </a:lnTo>
+                <a:close/>
+              </a:path>
+            </a:pathLst>
+          </a:custGeom>
+        </p:spPr>
+      </p:sp>
+      <p:sp>
+        <p:nvSpPr>
+          <p:cNvPr id="201" name="Google Shape;201;g8a17d9e4d6_0_34:notes"/>
+          <p:cNvSpPr txBox="1"/>
+          <p:nvPr>
+            <p:ph idx="1" type="body"/>
+          </p:nvPr>
+        </p:nvSpPr>
+        <p:spPr>
+          <a:xfrm>
+            <a:off x="685800" y="4343400"/>
+            <a:ext cx="5486400" cy="4114800"/>
+          </a:xfrm>
+          <a:prstGeom prst="rect">
+            <a:avLst/>
+          </a:prstGeom>
+        </p:spPr>
+        <p:txBody>
+          <a:bodyPr anchorCtr="0" anchor="t" bIns="91425" lIns="91425" spcFirstLastPara="1" rIns="91425" wrap="square" tIns="91425">
+            <a:noAutofit/>
+          </a:bodyPr>
+          <a:lstStyle/>
+          <a:p>
+            <a:pPr indent="0" lvl="0" marL="0" rtl="0" algn="l">
+              <a:spcBef>
+                <a:spcPts val="0"/>
+              </a:spcBef>
+              <a:spcAft>
+                <a:spcPts val="0"/>
+              </a:spcAft>
+              <a:buNone/>
+            </a:pPr>
+            <a:r>
+              <a:t/>
+            </a:r>
+            <a:endParaRPr/>
+          </a:p>
+        </p:txBody>
+      </p:sp>
+    </p:spTree>
+  </p:cSld>
+  <p:clrMapOvr>
+    <a:masterClrMapping/>
+  </p:clrMapOvr>
+</p:notes>
+</file>
+
+<file path=ppt/notesSlides/notesSlide12.xml><?xml version="1.0" encoding="utf-8"?>
+<p:notes xmlns:a="http://schemas.openxmlformats.org/drawingml/2006/main" xmlns:r="http://schemas.openxmlformats.org/officeDocument/2006/relationships" xmlns:mc="http://schemas.openxmlformats.org/markup-compatibility/2006" xmlns:mv="urn:schemas-microsoft-com:mac:vml" xmlns:p="http://schemas.openxmlformats.org/presentationml/2006/main" xmlns:c="http://schemas.openxmlformats.org/drawingml/2006/chart" xmlns:dgm="http://schemas.openxmlformats.org/drawingml/2006/diagram" xmlns:o="urn:schemas-microsoft-com:office:office" xmlns:v="urn:schemas-microsoft-com:vml" xmlns:pvml="urn:schemas-microsoft-com:office:powerpoint" xmlns:com="http://schemas.openxmlformats.org/drawingml/2006/compatibility" xmlns:p14="http://schemas.microsoft.com/office/powerpoint/2010/main" xmlns:p15="http://schemas.microsoft.com/office/powerpoint/2012/main" showMasterPhAnim="0" showMasterSp="0">
+  <p:cSld>
+    <p:spTree>
+      <p:nvGrpSpPr>
+        <p:cNvPr id="205" name="Shape 205"/>
+        <p:cNvGrpSpPr/>
+        <p:nvPr/>
+      </p:nvGrpSpPr>
+      <p:grpSpPr>
+        <a:xfrm>
+          <a:off x="0" y="0"/>
+          <a:ext cx="0" cy="0"/>
+          <a:chOff x="0" y="0"/>
+          <a:chExt cx="0" cy="0"/>
+        </a:xfrm>
+      </p:grpSpPr>
+      <p:sp>
+        <p:nvSpPr>
+          <p:cNvPr id="206" name="Google Shape;206;g8a17d9e4d6_0_39:notes"/>
+          <p:cNvSpPr/>
+          <p:nvPr>
+            <p:ph idx="2" type="sldImg"/>
+          </p:nvPr>
+        </p:nvSpPr>
+        <p:spPr>
+          <a:xfrm>
+            <a:off x="1143225" y="685800"/>
+            <a:ext cx="4572300" cy="3429000"/>
+          </a:xfrm>
+          <a:custGeom>
+            <a:rect b="b" l="l" r="r" t="t"/>
+            <a:pathLst>
+              <a:path extrusionOk="0" h="120000" w="120000">
+                <a:moveTo>
+                  <a:pt x="0" y="0"/>
+                </a:moveTo>
+                <a:lnTo>
+                  <a:pt x="120000" y="0"/>
+                </a:lnTo>
+                <a:lnTo>
+                  <a:pt x="120000" y="120000"/>
+                </a:lnTo>
+                <a:lnTo>
+                  <a:pt x="0" y="120000"/>
+                </a:lnTo>
+                <a:close/>
+              </a:path>
+            </a:pathLst>
+          </a:custGeom>
+        </p:spPr>
+      </p:sp>
+      <p:sp>
+        <p:nvSpPr>
+          <p:cNvPr id="207" name="Google Shape;207;g8a17d9e4d6_0_39:notes"/>
+          <p:cNvSpPr txBox="1"/>
+          <p:nvPr>
+            <p:ph idx="1" type="body"/>
+          </p:nvPr>
+        </p:nvSpPr>
+        <p:spPr>
+          <a:xfrm>
+            <a:off x="685800" y="4343400"/>
+            <a:ext cx="5486400" cy="4114800"/>
+          </a:xfrm>
+          <a:prstGeom prst="rect">
+            <a:avLst/>
+          </a:prstGeom>
+        </p:spPr>
+        <p:txBody>
+          <a:bodyPr anchorCtr="0" anchor="t" bIns="91425" lIns="91425" spcFirstLastPara="1" rIns="91425" wrap="square" tIns="91425">
+            <a:noAutofit/>
+          </a:bodyPr>
+          <a:lstStyle/>
+          <a:p>
+            <a:pPr indent="0" lvl="0" marL="0" rtl="0" algn="l">
+              <a:spcBef>
+                <a:spcPts val="0"/>
+              </a:spcBef>
+              <a:spcAft>
+                <a:spcPts val="0"/>
+              </a:spcAft>
+              <a:buNone/>
+            </a:pPr>
+            <a:r>
+              <a:t/>
+            </a:r>
+            <a:endParaRPr/>
+          </a:p>
+        </p:txBody>
+      </p:sp>
+    </p:spTree>
+  </p:cSld>
+  <p:clrMapOvr>
+    <a:masterClrMapping/>
+  </p:clrMapOvr>
+</p:notes>
+</file>
+
+<file path=ppt/notesSlides/notesSlide13.xml><?xml version="1.0" encoding="utf-8"?>
+<p:notes xmlns:a="http://schemas.openxmlformats.org/drawingml/2006/main" xmlns:r="http://schemas.openxmlformats.org/officeDocument/2006/relationships" xmlns:mc="http://schemas.openxmlformats.org/markup-compatibility/2006" xmlns:mv="urn:schemas-microsoft-com:mac:vml" xmlns:p="http://schemas.openxmlformats.org/presentationml/2006/main" xmlns:c="http://schemas.openxmlformats.org/drawingml/2006/chart" xmlns:dgm="http://schemas.openxmlformats.org/drawingml/2006/diagram" xmlns:o="urn:schemas-microsoft-com:office:office" xmlns:v="urn:schemas-microsoft-com:vml" xmlns:pvml="urn:schemas-microsoft-com:office:powerpoint" xmlns:com="http://schemas.openxmlformats.org/drawingml/2006/compatibility" xmlns:p14="http://schemas.microsoft.com/office/powerpoint/2010/main" xmlns:p15="http://schemas.microsoft.com/office/powerpoint/2012/main" showMasterPhAnim="0" showMasterSp="0">
+  <p:cSld>
+    <p:spTree>
+      <p:nvGrpSpPr>
+        <p:cNvPr id="211" name="Shape 211"/>
+        <p:cNvGrpSpPr/>
+        <p:nvPr/>
+      </p:nvGrpSpPr>
+      <p:grpSpPr>
+        <a:xfrm>
+          <a:off x="0" y="0"/>
+          <a:ext cx="0" cy="0"/>
+          <a:chOff x="0" y="0"/>
+          <a:chExt cx="0" cy="0"/>
+        </a:xfrm>
+      </p:grpSpPr>
+      <p:sp>
+        <p:nvSpPr>
+          <p:cNvPr id="212" name="Google Shape;212;g8a17d9e4d6_0_44:notes"/>
+          <p:cNvSpPr/>
+          <p:nvPr>
+            <p:ph idx="2" type="sldImg"/>
+          </p:nvPr>
+        </p:nvSpPr>
+        <p:spPr>
+          <a:xfrm>
+            <a:off x="1143225" y="685800"/>
+            <a:ext cx="4572300" cy="3429000"/>
+          </a:xfrm>
+          <a:custGeom>
+            <a:rect b="b" l="l" r="r" t="t"/>
+            <a:pathLst>
+              <a:path extrusionOk="0" h="120000" w="120000">
+                <a:moveTo>
+                  <a:pt x="0" y="0"/>
+                </a:moveTo>
+                <a:lnTo>
+                  <a:pt x="120000" y="0"/>
+                </a:lnTo>
+                <a:lnTo>
+                  <a:pt x="120000" y="120000"/>
+                </a:lnTo>
+                <a:lnTo>
+                  <a:pt x="0" y="120000"/>
+                </a:lnTo>
+                <a:close/>
+              </a:path>
+            </a:pathLst>
+          </a:custGeom>
+        </p:spPr>
+      </p:sp>
+      <p:sp>
+        <p:nvSpPr>
+          <p:cNvPr id="213" name="Google Shape;213;g8a17d9e4d6_0_44:notes"/>
+          <p:cNvSpPr txBox="1"/>
+          <p:nvPr>
+            <p:ph idx="1" type="body"/>
+          </p:nvPr>
+        </p:nvSpPr>
+        <p:spPr>
+          <a:xfrm>
+            <a:off x="685800" y="4343400"/>
+            <a:ext cx="5486400" cy="4114800"/>
+          </a:xfrm>
+          <a:prstGeom prst="rect">
+            <a:avLst/>
+          </a:prstGeom>
+        </p:spPr>
+        <p:txBody>
+          <a:bodyPr anchorCtr="0" anchor="t" bIns="91425" lIns="91425" spcFirstLastPara="1" rIns="91425" wrap="square" tIns="91425">
+            <a:noAutofit/>
+          </a:bodyPr>
+          <a:lstStyle/>
+          <a:p>
+            <a:pPr indent="0" lvl="0" marL="0" rtl="0" algn="l">
+              <a:spcBef>
+                <a:spcPts val="0"/>
+              </a:spcBef>
+              <a:spcAft>
+                <a:spcPts val="0"/>
+              </a:spcAft>
+              <a:buNone/>
+            </a:pPr>
+            <a:r>
+              <a:t/>
+            </a:r>
+            <a:endParaRPr/>
+          </a:p>
+        </p:txBody>
+      </p:sp>
+    </p:spTree>
+  </p:cSld>
+  <p:clrMapOvr>
+    <a:masterClrMapping/>
+  </p:clrMapOvr>
+</p:notes>
+</file>
+
+<file path=ppt/notesSlides/notesSlide14.xml><?xml version="1.0" encoding="utf-8"?>
+<p:notes xmlns:a="http://schemas.openxmlformats.org/drawingml/2006/main" xmlns:r="http://schemas.openxmlformats.org/officeDocument/2006/relationships" xmlns:mc="http://schemas.openxmlformats.org/markup-compatibility/2006" xmlns:mv="urn:schemas-microsoft-com:mac:vml" xmlns:p="http://schemas.openxmlformats.org/presentationml/2006/main" xmlns:c="http://schemas.openxmlformats.org/drawingml/2006/chart" xmlns:dgm="http://schemas.openxmlformats.org/drawingml/2006/diagram" xmlns:o="urn:schemas-microsoft-com:office:office" xmlns:v="urn:schemas-microsoft-com:vml" xmlns:pvml="urn:schemas-microsoft-com:office:powerpoint" xmlns:com="http://schemas.openxmlformats.org/drawingml/2006/compatibility" xmlns:p14="http://schemas.microsoft.com/office/powerpoint/2010/main" xmlns:p15="http://schemas.microsoft.com/office/powerpoint/2012/main" showMasterPhAnim="0" showMasterSp="0">
+  <p:cSld>
+    <p:spTree>
+      <p:nvGrpSpPr>
+        <p:cNvPr id="217" name="Shape 217"/>
+        <p:cNvGrpSpPr/>
+        <p:nvPr/>
+      </p:nvGrpSpPr>
+      <p:grpSpPr>
+        <a:xfrm>
+          <a:off x="0" y="0"/>
+          <a:ext cx="0" cy="0"/>
+          <a:chOff x="0" y="0"/>
+          <a:chExt cx="0" cy="0"/>
+        </a:xfrm>
+      </p:grpSpPr>
+      <p:sp>
+        <p:nvSpPr>
+          <p:cNvPr id="218" name="Google Shape;218;p8:notes"/>
+          <p:cNvSpPr txBox="1"/>
+          <p:nvPr>
+            <p:ph idx="1" type="body"/>
+          </p:nvPr>
+        </p:nvSpPr>
+        <p:spPr>
+          <a:xfrm>
+            <a:off x="685800" y="4343400"/>
+            <a:ext cx="5486400" cy="4114800"/>
+          </a:xfrm>
+          <a:prstGeom prst="rect">
+            <a:avLst/>
+          </a:prstGeom>
+          <a:noFill/>
+          <a:ln>
+            <a:noFill/>
+          </a:ln>
+        </p:spPr>
+        <p:txBody>
+          <a:bodyPr anchorCtr="0" anchor="t" bIns="91425" lIns="91425" spcFirstLastPara="1" rIns="91425" wrap="square" tIns="91425">
+            <a:noAutofit/>
+          </a:bodyPr>
+          <a:lstStyle/>
+          <a:p>
+            <a:pPr indent="0" lvl="0" marL="0" rtl="0" algn="l">
+              <a:lnSpc>
+                <a:spcPct val="100000"/>
+              </a:lnSpc>
+              <a:spcBef>
+                <a:spcPts val="0"/>
+              </a:spcBef>
+              <a:spcAft>
+                <a:spcPts val="0"/>
+              </a:spcAft>
+              <a:buSzPts val="1100"/>
+              <a:buNone/>
+            </a:pPr>
+            <a:r>
+              <a:t/>
+            </a:r>
+            <a:endParaRPr/>
+          </a:p>
+        </p:txBody>
+      </p:sp>
+      <p:sp>
+        <p:nvSpPr>
+          <p:cNvPr id="219" name="Google Shape;219;p8:notes"/>
+          <p:cNvSpPr/>
+          <p:nvPr>
+            <p:ph idx="2" type="sldImg"/>
+          </p:nvPr>
+        </p:nvSpPr>
+        <p:spPr>
+          <a:xfrm>
+            <a:off x="1143225" y="685800"/>
+            <a:ext cx="4572225" cy="3429000"/>
+          </a:xfrm>
+          <a:custGeom>
+            <a:rect b="b" l="l" r="r" t="t"/>
+            <a:pathLst>
+              <a:path extrusionOk="0" h="120000" w="120000">
+                <a:moveTo>
+                  <a:pt x="0" y="0"/>
+                </a:moveTo>
+                <a:lnTo>
+                  <a:pt x="120000" y="0"/>
+                </a:lnTo>
+                <a:lnTo>
+                  <a:pt x="120000" y="120000"/>
+                </a:lnTo>
+                <a:lnTo>
+                  <a:pt x="0" y="120000"/>
+                </a:lnTo>
+                <a:close/>
+              </a:path>
+            </a:pathLst>
+          </a:custGeom>
+          <a:noFill/>
+          <a:ln cap="flat" cmpd="sng" w="9525">
+            <a:solidFill>
+              <a:srgbClr val="000000"/>
+            </a:solidFill>
+            <a:prstDash val="solid"/>
+            <a:round/>
+            <a:headEnd len="sm" w="sm" type="none"/>
+            <a:tailEnd len="sm" w="sm" type="none"/>
+          </a:ln>
+        </p:spPr>
+      </p:sp>
+    </p:spTree>
+  </p:cSld>
+  <p:clrMapOvr>
+    <a:masterClrMapping/>
+  </p:clrMapOvr>
+</p:notes>
+</file>
+
 <file path=ppt/notesSlides/notesSlide2.xml><?xml version="1.0" encoding="utf-8"?>
 <p:notes xmlns:a="http://schemas.openxmlformats.org/drawingml/2006/main" xmlns:r="http://schemas.openxmlformats.org/officeDocument/2006/relationships" xmlns:mc="http://schemas.openxmlformats.org/markup-compatibility/2006" xmlns:mv="urn:schemas-microsoft-com:mac:vml" xmlns:p="http://schemas.openxmlformats.org/presentationml/2006/main" xmlns:c="http://schemas.openxmlformats.org/drawingml/2006/chart" xmlns:dgm="http://schemas.openxmlformats.org/drawingml/2006/diagram" xmlns:o="urn:schemas-microsoft-com:office:office" xmlns:v="urn:schemas-microsoft-com:vml" xmlns:pvml="urn:schemas-microsoft-com:office:powerpoint" xmlns:com="http://schemas.openxmlformats.org/drawingml/2006/compatibility" xmlns:p14="http://schemas.microsoft.com/office/powerpoint/2010/main" xmlns:p15="http://schemas.microsoft.com/office/powerpoint/2012/main" showMasterPhAnim="0" showMasterSp="0">
   <p:cSld>
@@ -1632,54 +2151,7 @@
       </p:grpSpPr>
       <p:sp>
         <p:nvSpPr>
-          <p:cNvPr id="182" name="Google Shape;182;p8:notes"/>
-          <p:cNvSpPr txBox="1"/>
-          <p:nvPr>
-            <p:ph idx="1" type="body"/>
-          </p:nvPr>
-        </p:nvSpPr>
-        <p:spPr>
-          <a:xfrm>
-            <a:off x="685800" y="4343400"/>
-            <a:ext cx="5486400" cy="4114800"/>
-          </a:xfrm>
-          <a:prstGeom prst="rect">
-            <a:avLst/>
-          </a:prstGeom>
-          <a:noFill/>
-          <a:ln>
-            <a:noFill/>
-          </a:ln>
-        </p:spPr>
-        <p:txBody>
-          <a:bodyPr anchorCtr="0" anchor="t" bIns="91425" lIns="91425" spcFirstLastPara="1" rIns="91425" wrap="square" tIns="91425">
-            <a:noAutofit/>
-          </a:bodyPr>
-          <a:lstStyle/>
-          <a:p>
-            <a:pPr indent="0" lvl="0" marL="0" rtl="0" algn="l">
-              <a:lnSpc>
-                <a:spcPct val="100000"/>
-              </a:lnSpc>
-              <a:spcBef>
-                <a:spcPts val="0"/>
-              </a:spcBef>
-              <a:spcAft>
-                <a:spcPts val="0"/>
-              </a:spcAft>
-              <a:buSzPts val="1100"/>
-              <a:buNone/>
-            </a:pPr>
-            <a:r>
-              <a:t/>
-            </a:r>
-            <a:endParaRPr/>
-          </a:p>
-        </p:txBody>
-      </p:sp>
-      <p:sp>
-        <p:nvSpPr>
-          <p:cNvPr id="183" name="Google Shape;183;p8:notes"/>
+          <p:cNvPr id="182" name="Google Shape;182;g8a17d9e4d6_0_19:notes"/>
           <p:cNvSpPr/>
           <p:nvPr>
             <p:ph idx="2" type="sldImg"/>
@@ -1688,7 +2160,7 @@
         <p:spPr>
           <a:xfrm>
             <a:off x="1143225" y="685800"/>
-            <a:ext cx="4572225" cy="3429000"/>
+            <a:ext cx="4572300" cy="3429000"/>
           </a:xfrm>
           <a:custGeom>
             <a:rect b="b" l="l" r="r" t="t"/>
@@ -1710,17 +2182,145 @@
               </a:path>
             </a:pathLst>
           </a:custGeom>
-          <a:noFill/>
-          <a:ln cap="flat" cmpd="sng" w="9525">
-            <a:solidFill>
-              <a:srgbClr val="000000"/>
-            </a:solidFill>
-            <a:prstDash val="solid"/>
-            <a:round/>
-            <a:headEnd len="sm" w="sm" type="none"/>
-            <a:tailEnd len="sm" w="sm" type="none"/>
-          </a:ln>
         </p:spPr>
+      </p:sp>
+      <p:sp>
+        <p:nvSpPr>
+          <p:cNvPr id="183" name="Google Shape;183;g8a17d9e4d6_0_19:notes"/>
+          <p:cNvSpPr txBox="1"/>
+          <p:nvPr>
+            <p:ph idx="1" type="body"/>
+          </p:nvPr>
+        </p:nvSpPr>
+        <p:spPr>
+          <a:xfrm>
+            <a:off x="685800" y="4343400"/>
+            <a:ext cx="5486400" cy="4114800"/>
+          </a:xfrm>
+          <a:prstGeom prst="rect">
+            <a:avLst/>
+          </a:prstGeom>
+        </p:spPr>
+        <p:txBody>
+          <a:bodyPr anchorCtr="0" anchor="t" bIns="91425" lIns="91425" spcFirstLastPara="1" rIns="91425" wrap="square" tIns="91425">
+            <a:noAutofit/>
+          </a:bodyPr>
+          <a:lstStyle/>
+          <a:p>
+            <a:pPr indent="0" lvl="0" marL="0" rtl="0" algn="l">
+              <a:spcBef>
+                <a:spcPts val="0"/>
+              </a:spcBef>
+              <a:spcAft>
+                <a:spcPts val="0"/>
+              </a:spcAft>
+              <a:buNone/>
+            </a:pPr>
+            <a:r>
+              <a:t/>
+            </a:r>
+            <a:endParaRPr/>
+          </a:p>
+        </p:txBody>
+      </p:sp>
+    </p:spTree>
+  </p:cSld>
+  <p:clrMapOvr>
+    <a:masterClrMapping/>
+  </p:clrMapOvr>
+</p:notes>
+</file>
+
+<file path=ppt/notesSlides/notesSlide9.xml><?xml version="1.0" encoding="utf-8"?>
+<p:notes xmlns:a="http://schemas.openxmlformats.org/drawingml/2006/main" xmlns:r="http://schemas.openxmlformats.org/officeDocument/2006/relationships" xmlns:mc="http://schemas.openxmlformats.org/markup-compatibility/2006" xmlns:mv="urn:schemas-microsoft-com:mac:vml" xmlns:p="http://schemas.openxmlformats.org/presentationml/2006/main" xmlns:c="http://schemas.openxmlformats.org/drawingml/2006/chart" xmlns:dgm="http://schemas.openxmlformats.org/drawingml/2006/diagram" xmlns:o="urn:schemas-microsoft-com:office:office" xmlns:v="urn:schemas-microsoft-com:vml" xmlns:pvml="urn:schemas-microsoft-com:office:powerpoint" xmlns:com="http://schemas.openxmlformats.org/drawingml/2006/compatibility" xmlns:p14="http://schemas.microsoft.com/office/powerpoint/2010/main" xmlns:p15="http://schemas.microsoft.com/office/powerpoint/2012/main" showMasterPhAnim="0" showMasterSp="0">
+  <p:cSld>
+    <p:spTree>
+      <p:nvGrpSpPr>
+        <p:cNvPr id="187" name="Shape 187"/>
+        <p:cNvGrpSpPr/>
+        <p:nvPr/>
+      </p:nvGrpSpPr>
+      <p:grpSpPr>
+        <a:xfrm>
+          <a:off x="0" y="0"/>
+          <a:ext cx="0" cy="0"/>
+          <a:chOff x="0" y="0"/>
+          <a:chExt cx="0" cy="0"/>
+        </a:xfrm>
+      </p:grpSpPr>
+      <p:sp>
+        <p:nvSpPr>
+          <p:cNvPr id="188" name="Google Shape;188;g8a17d9e4d6_0_24:notes"/>
+          <p:cNvSpPr/>
+          <p:nvPr>
+            <p:ph idx="2" type="sldImg"/>
+          </p:nvPr>
+        </p:nvSpPr>
+        <p:spPr>
+          <a:xfrm>
+            <a:off x="1143225" y="685800"/>
+            <a:ext cx="4572300" cy="3429000"/>
+          </a:xfrm>
+          <a:custGeom>
+            <a:rect b="b" l="l" r="r" t="t"/>
+            <a:pathLst>
+              <a:path extrusionOk="0" h="120000" w="120000">
+                <a:moveTo>
+                  <a:pt x="0" y="0"/>
+                </a:moveTo>
+                <a:lnTo>
+                  <a:pt x="120000" y="0"/>
+                </a:lnTo>
+                <a:lnTo>
+                  <a:pt x="120000" y="120000"/>
+                </a:lnTo>
+                <a:lnTo>
+                  <a:pt x="0" y="120000"/>
+                </a:lnTo>
+                <a:close/>
+              </a:path>
+            </a:pathLst>
+          </a:custGeom>
+        </p:spPr>
+      </p:sp>
+      <p:sp>
+        <p:nvSpPr>
+          <p:cNvPr id="189" name="Google Shape;189;g8a17d9e4d6_0_24:notes"/>
+          <p:cNvSpPr txBox="1"/>
+          <p:nvPr>
+            <p:ph idx="1" type="body"/>
+          </p:nvPr>
+        </p:nvSpPr>
+        <p:spPr>
+          <a:xfrm>
+            <a:off x="685800" y="4343400"/>
+            <a:ext cx="5486400" cy="4114800"/>
+          </a:xfrm>
+          <a:prstGeom prst="rect">
+            <a:avLst/>
+          </a:prstGeom>
+        </p:spPr>
+        <p:txBody>
+          <a:bodyPr anchorCtr="0" anchor="t" bIns="91425" lIns="91425" spcFirstLastPara="1" rIns="91425" wrap="square" tIns="91425">
+            <a:noAutofit/>
+          </a:bodyPr>
+          <a:lstStyle/>
+          <a:p>
+            <a:pPr indent="0" lvl="0" marL="0" rtl="0" algn="l">
+              <a:spcBef>
+                <a:spcPts val="0"/>
+              </a:spcBef>
+              <a:spcAft>
+                <a:spcPts val="0"/>
+              </a:spcAft>
+              <a:buNone/>
+            </a:pPr>
+            <a:r>
+              <a:t/>
+            </a:r>
+            <a:endParaRPr/>
+          </a:p>
+        </p:txBody>
       </p:sp>
     </p:spTree>
   </p:cSld>
@@ -21444,6 +22044,477 @@
 </p:sld>
 </file>
 
+<file path=ppt/slides/slide10.xml><?xml version="1.0" encoding="utf-8"?>
+<p:sld xmlns:a="http://schemas.openxmlformats.org/drawingml/2006/main" xmlns:r="http://schemas.openxmlformats.org/officeDocument/2006/relationships" xmlns:mc="http://schemas.openxmlformats.org/markup-compatibility/2006" xmlns:mv="urn:schemas-microsoft-com:mac:vml" xmlns:p="http://schemas.openxmlformats.org/presentationml/2006/main" xmlns:c="http://schemas.openxmlformats.org/drawingml/2006/chart" xmlns:dgm="http://schemas.openxmlformats.org/drawingml/2006/diagram" xmlns:o="urn:schemas-microsoft-com:office:office" xmlns:v="urn:schemas-microsoft-com:vml" xmlns:pvml="urn:schemas-microsoft-com:office:powerpoint" xmlns:com="http://schemas.openxmlformats.org/drawingml/2006/compatibility" xmlns:p14="http://schemas.microsoft.com/office/powerpoint/2010/main" xmlns:p15="http://schemas.microsoft.com/office/powerpoint/2012/main">
+  <p:cSld>
+    <p:spTree>
+      <p:nvGrpSpPr>
+        <p:cNvPr id="196" name="Shape 196"/>
+        <p:cNvGrpSpPr/>
+        <p:nvPr/>
+      </p:nvGrpSpPr>
+      <p:grpSpPr>
+        <a:xfrm>
+          <a:off x="0" y="0"/>
+          <a:ext cx="0" cy="0"/>
+          <a:chOff x="0" y="0"/>
+          <a:chExt cx="0" cy="0"/>
+        </a:xfrm>
+      </p:grpSpPr>
+      <p:sp>
+        <p:nvSpPr>
+          <p:cNvPr id="197" name="Google Shape;197;p27"/>
+          <p:cNvSpPr txBox="1"/>
+          <p:nvPr>
+            <p:ph type="title"/>
+          </p:nvPr>
+        </p:nvSpPr>
+        <p:spPr>
+          <a:xfrm>
+            <a:off x="677334" y="609600"/>
+            <a:ext cx="8596800" cy="1320900"/>
+          </a:xfrm>
+          <a:prstGeom prst="rect">
+            <a:avLst/>
+          </a:prstGeom>
+        </p:spPr>
+        <p:txBody>
+          <a:bodyPr anchorCtr="0" anchor="t" bIns="45700" lIns="91425" spcFirstLastPara="1" rIns="91425" wrap="square" tIns="45700">
+            <a:noAutofit/>
+          </a:bodyPr>
+          <a:lstStyle/>
+          <a:p>
+            <a:pPr indent="0" lvl="0" marL="0" rtl="0" algn="l">
+              <a:spcBef>
+                <a:spcPts val="0"/>
+              </a:spcBef>
+              <a:spcAft>
+                <a:spcPts val="0"/>
+              </a:spcAft>
+              <a:buNone/>
+            </a:pPr>
+            <a:r>
+              <a:rPr lang="ru-RU"/>
+              <a:t>Функция разности множеств</a:t>
+            </a:r>
+            <a:endParaRPr/>
+          </a:p>
+        </p:txBody>
+      </p:sp>
+      <p:pic>
+        <p:nvPicPr>
+          <p:cNvPr id="198" name="Google Shape;198;p27"/>
+          <p:cNvPicPr preferRelativeResize="0"/>
+          <p:nvPr/>
+        </p:nvPicPr>
+        <p:blipFill>
+          <a:blip r:embed="rId3">
+            <a:alphaModFix/>
+          </a:blip>
+          <a:stretch>
+            <a:fillRect/>
+          </a:stretch>
+        </p:blipFill>
+        <p:spPr>
+          <a:xfrm>
+            <a:off x="1861950" y="2159688"/>
+            <a:ext cx="6227550" cy="2538625"/>
+          </a:xfrm>
+          <a:prstGeom prst="rect">
+            <a:avLst/>
+          </a:prstGeom>
+          <a:noFill/>
+          <a:ln>
+            <a:noFill/>
+          </a:ln>
+        </p:spPr>
+      </p:pic>
+    </p:spTree>
+  </p:cSld>
+  <p:clrMapOvr>
+    <a:masterClrMapping/>
+  </p:clrMapOvr>
+</p:sld>
+</file>
+
+<file path=ppt/slides/slide11.xml><?xml version="1.0" encoding="utf-8"?>
+<p:sld xmlns:a="http://schemas.openxmlformats.org/drawingml/2006/main" xmlns:r="http://schemas.openxmlformats.org/officeDocument/2006/relationships" xmlns:mc="http://schemas.openxmlformats.org/markup-compatibility/2006" xmlns:mv="urn:schemas-microsoft-com:mac:vml" xmlns:p="http://schemas.openxmlformats.org/presentationml/2006/main" xmlns:c="http://schemas.openxmlformats.org/drawingml/2006/chart" xmlns:dgm="http://schemas.openxmlformats.org/drawingml/2006/diagram" xmlns:o="urn:schemas-microsoft-com:office:office" xmlns:v="urn:schemas-microsoft-com:vml" xmlns:pvml="urn:schemas-microsoft-com:office:powerpoint" xmlns:com="http://schemas.openxmlformats.org/drawingml/2006/compatibility" xmlns:p14="http://schemas.microsoft.com/office/powerpoint/2010/main" xmlns:p15="http://schemas.microsoft.com/office/powerpoint/2012/main">
+  <p:cSld>
+    <p:spTree>
+      <p:nvGrpSpPr>
+        <p:cNvPr id="202" name="Shape 202"/>
+        <p:cNvGrpSpPr/>
+        <p:nvPr/>
+      </p:nvGrpSpPr>
+      <p:grpSpPr>
+        <a:xfrm>
+          <a:off x="0" y="0"/>
+          <a:ext cx="0" cy="0"/>
+          <a:chOff x="0" y="0"/>
+          <a:chExt cx="0" cy="0"/>
+        </a:xfrm>
+      </p:grpSpPr>
+      <p:sp>
+        <p:nvSpPr>
+          <p:cNvPr id="203" name="Google Shape;203;p28"/>
+          <p:cNvSpPr txBox="1"/>
+          <p:nvPr>
+            <p:ph type="title"/>
+          </p:nvPr>
+        </p:nvSpPr>
+        <p:spPr>
+          <a:xfrm>
+            <a:off x="677334" y="609600"/>
+            <a:ext cx="8596800" cy="1320900"/>
+          </a:xfrm>
+          <a:prstGeom prst="rect">
+            <a:avLst/>
+          </a:prstGeom>
+        </p:spPr>
+        <p:txBody>
+          <a:bodyPr anchorCtr="0" anchor="t" bIns="45700" lIns="91425" spcFirstLastPara="1" rIns="91425" wrap="square" tIns="45700">
+            <a:noAutofit/>
+          </a:bodyPr>
+          <a:lstStyle/>
+          <a:p>
+            <a:pPr indent="0" lvl="0" marL="0" rtl="0" algn="l">
+              <a:spcBef>
+                <a:spcPts val="0"/>
+              </a:spcBef>
+              <a:spcAft>
+                <a:spcPts val="0"/>
+              </a:spcAft>
+              <a:buNone/>
+            </a:pPr>
+            <a:r>
+              <a:rPr lang="ru-RU"/>
+              <a:t>Функция симметричной разности множеств</a:t>
+            </a:r>
+            <a:endParaRPr/>
+          </a:p>
+        </p:txBody>
+      </p:sp>
+      <p:pic>
+        <p:nvPicPr>
+          <p:cNvPr id="204" name="Google Shape;204;p28"/>
+          <p:cNvPicPr preferRelativeResize="0"/>
+          <p:nvPr/>
+        </p:nvPicPr>
+        <p:blipFill>
+          <a:blip r:embed="rId3">
+            <a:alphaModFix/>
+          </a:blip>
+          <a:stretch>
+            <a:fillRect/>
+          </a:stretch>
+        </p:blipFill>
+        <p:spPr>
+          <a:xfrm>
+            <a:off x="1877100" y="2141674"/>
+            <a:ext cx="6197258" cy="2574650"/>
+          </a:xfrm>
+          <a:prstGeom prst="rect">
+            <a:avLst/>
+          </a:prstGeom>
+          <a:noFill/>
+          <a:ln>
+            <a:noFill/>
+          </a:ln>
+        </p:spPr>
+      </p:pic>
+    </p:spTree>
+  </p:cSld>
+  <p:clrMapOvr>
+    <a:masterClrMapping/>
+  </p:clrMapOvr>
+</p:sld>
+</file>
+
+<file path=ppt/slides/slide12.xml><?xml version="1.0" encoding="utf-8"?>
+<p:sld xmlns:a="http://schemas.openxmlformats.org/drawingml/2006/main" xmlns:r="http://schemas.openxmlformats.org/officeDocument/2006/relationships" xmlns:mc="http://schemas.openxmlformats.org/markup-compatibility/2006" xmlns:mv="urn:schemas-microsoft-com:mac:vml" xmlns:p="http://schemas.openxmlformats.org/presentationml/2006/main" xmlns:c="http://schemas.openxmlformats.org/drawingml/2006/chart" xmlns:dgm="http://schemas.openxmlformats.org/drawingml/2006/diagram" xmlns:o="urn:schemas-microsoft-com:office:office" xmlns:v="urn:schemas-microsoft-com:vml" xmlns:pvml="urn:schemas-microsoft-com:office:powerpoint" xmlns:com="http://schemas.openxmlformats.org/drawingml/2006/compatibility" xmlns:p14="http://schemas.microsoft.com/office/powerpoint/2010/main" xmlns:p15="http://schemas.microsoft.com/office/powerpoint/2012/main">
+  <p:cSld>
+    <p:spTree>
+      <p:nvGrpSpPr>
+        <p:cNvPr id="208" name="Shape 208"/>
+        <p:cNvGrpSpPr/>
+        <p:nvPr/>
+      </p:nvGrpSpPr>
+      <p:grpSpPr>
+        <a:xfrm>
+          <a:off x="0" y="0"/>
+          <a:ext cx="0" cy="0"/>
+          <a:chOff x="0" y="0"/>
+          <a:chExt cx="0" cy="0"/>
+        </a:xfrm>
+      </p:grpSpPr>
+      <p:sp>
+        <p:nvSpPr>
+          <p:cNvPr id="209" name="Google Shape;209;p29"/>
+          <p:cNvSpPr txBox="1"/>
+          <p:nvPr>
+            <p:ph type="title"/>
+          </p:nvPr>
+        </p:nvSpPr>
+        <p:spPr>
+          <a:xfrm>
+            <a:off x="677334" y="609600"/>
+            <a:ext cx="8596800" cy="1320900"/>
+          </a:xfrm>
+          <a:prstGeom prst="rect">
+            <a:avLst/>
+          </a:prstGeom>
+        </p:spPr>
+        <p:txBody>
+          <a:bodyPr anchorCtr="0" anchor="t" bIns="45700" lIns="91425" spcFirstLastPara="1" rIns="91425" wrap="square" tIns="45700">
+            <a:noAutofit/>
+          </a:bodyPr>
+          <a:lstStyle/>
+          <a:p>
+            <a:pPr indent="0" lvl="0" marL="0" rtl="0" algn="l">
+              <a:spcBef>
+                <a:spcPts val="0"/>
+              </a:spcBef>
+              <a:spcAft>
+                <a:spcPts val="0"/>
+              </a:spcAft>
+              <a:buNone/>
+            </a:pPr>
+            <a:r>
+              <a:rPr lang="ru-RU"/>
+              <a:t>Функция проверки на равенство множеств</a:t>
+            </a:r>
+            <a:endParaRPr/>
+          </a:p>
+        </p:txBody>
+      </p:sp>
+      <p:pic>
+        <p:nvPicPr>
+          <p:cNvPr id="210" name="Google Shape;210;p29"/>
+          <p:cNvPicPr preferRelativeResize="0"/>
+          <p:nvPr/>
+        </p:nvPicPr>
+        <p:blipFill>
+          <a:blip r:embed="rId3">
+            <a:alphaModFix/>
+          </a:blip>
+          <a:stretch>
+            <a:fillRect/>
+          </a:stretch>
+        </p:blipFill>
+        <p:spPr>
+          <a:xfrm>
+            <a:off x="1844725" y="2150773"/>
+            <a:ext cx="6262000" cy="2556454"/>
+          </a:xfrm>
+          <a:prstGeom prst="rect">
+            <a:avLst/>
+          </a:prstGeom>
+          <a:noFill/>
+          <a:ln>
+            <a:noFill/>
+          </a:ln>
+        </p:spPr>
+      </p:pic>
+    </p:spTree>
+  </p:cSld>
+  <p:clrMapOvr>
+    <a:masterClrMapping/>
+  </p:clrMapOvr>
+</p:sld>
+</file>
+
+<file path=ppt/slides/slide13.xml><?xml version="1.0" encoding="utf-8"?>
+<p:sld xmlns:a="http://schemas.openxmlformats.org/drawingml/2006/main" xmlns:r="http://schemas.openxmlformats.org/officeDocument/2006/relationships" xmlns:mc="http://schemas.openxmlformats.org/markup-compatibility/2006" xmlns:mv="urn:schemas-microsoft-com:mac:vml" xmlns:p="http://schemas.openxmlformats.org/presentationml/2006/main" xmlns:c="http://schemas.openxmlformats.org/drawingml/2006/chart" xmlns:dgm="http://schemas.openxmlformats.org/drawingml/2006/diagram" xmlns:o="urn:schemas-microsoft-com:office:office" xmlns:v="urn:schemas-microsoft-com:vml" xmlns:pvml="urn:schemas-microsoft-com:office:powerpoint" xmlns:com="http://schemas.openxmlformats.org/drawingml/2006/compatibility" xmlns:p14="http://schemas.microsoft.com/office/powerpoint/2010/main" xmlns:p15="http://schemas.microsoft.com/office/powerpoint/2012/main">
+  <p:cSld>
+    <p:spTree>
+      <p:nvGrpSpPr>
+        <p:cNvPr id="214" name="Shape 214"/>
+        <p:cNvGrpSpPr/>
+        <p:nvPr/>
+      </p:nvGrpSpPr>
+      <p:grpSpPr>
+        <a:xfrm>
+          <a:off x="0" y="0"/>
+          <a:ext cx="0" cy="0"/>
+          <a:chOff x="0" y="0"/>
+          <a:chExt cx="0" cy="0"/>
+        </a:xfrm>
+      </p:grpSpPr>
+      <p:sp>
+        <p:nvSpPr>
+          <p:cNvPr id="215" name="Google Shape;215;p30"/>
+          <p:cNvSpPr txBox="1"/>
+          <p:nvPr>
+            <p:ph type="title"/>
+          </p:nvPr>
+        </p:nvSpPr>
+        <p:spPr>
+          <a:xfrm>
+            <a:off x="677334" y="609600"/>
+            <a:ext cx="8596800" cy="1320900"/>
+          </a:xfrm>
+          <a:prstGeom prst="rect">
+            <a:avLst/>
+          </a:prstGeom>
+        </p:spPr>
+        <p:txBody>
+          <a:bodyPr anchorCtr="0" anchor="t" bIns="45700" lIns="91425" spcFirstLastPara="1" rIns="91425" wrap="square" tIns="45700">
+            <a:noAutofit/>
+          </a:bodyPr>
+          <a:lstStyle/>
+          <a:p>
+            <a:pPr indent="0" lvl="0" marL="0" rtl="0" algn="l">
+              <a:spcBef>
+                <a:spcPts val="0"/>
+              </a:spcBef>
+              <a:spcAft>
+                <a:spcPts val="0"/>
+              </a:spcAft>
+              <a:buNone/>
+            </a:pPr>
+            <a:r>
+              <a:rPr lang="ru-RU"/>
+              <a:t>Функция проверки является ли множество “B‘’ </a:t>
+            </a:r>
+            <a:r>
+              <a:rPr lang="ru-RU"/>
+              <a:t>подмножеством</a:t>
+            </a:r>
+            <a:r>
+              <a:rPr lang="ru-RU"/>
+              <a:t> “A”</a:t>
+            </a:r>
+            <a:endParaRPr/>
+          </a:p>
+        </p:txBody>
+      </p:sp>
+      <p:pic>
+        <p:nvPicPr>
+          <p:cNvPr id="216" name="Google Shape;216;p30"/>
+          <p:cNvPicPr preferRelativeResize="0"/>
+          <p:nvPr/>
+        </p:nvPicPr>
+        <p:blipFill>
+          <a:blip r:embed="rId3">
+            <a:alphaModFix/>
+          </a:blip>
+          <a:stretch>
+            <a:fillRect/>
+          </a:stretch>
+        </p:blipFill>
+        <p:spPr>
+          <a:xfrm>
+            <a:off x="1896250" y="2141673"/>
+            <a:ext cx="6158941" cy="2574650"/>
+          </a:xfrm>
+          <a:prstGeom prst="rect">
+            <a:avLst/>
+          </a:prstGeom>
+          <a:noFill/>
+          <a:ln>
+            <a:noFill/>
+          </a:ln>
+        </p:spPr>
+      </p:pic>
+    </p:spTree>
+  </p:cSld>
+  <p:clrMapOvr>
+    <a:masterClrMapping/>
+  </p:clrMapOvr>
+</p:sld>
+</file>
+
+<file path=ppt/slides/slide14.xml><?xml version="1.0" encoding="utf-8"?>
+<p:sld xmlns:a="http://schemas.openxmlformats.org/drawingml/2006/main" xmlns:r="http://schemas.openxmlformats.org/officeDocument/2006/relationships" xmlns:mc="http://schemas.openxmlformats.org/markup-compatibility/2006" xmlns:mv="urn:schemas-microsoft-com:mac:vml" xmlns:p="http://schemas.openxmlformats.org/presentationml/2006/main" xmlns:c="http://schemas.openxmlformats.org/drawingml/2006/chart" xmlns:dgm="http://schemas.openxmlformats.org/drawingml/2006/diagram" xmlns:o="urn:schemas-microsoft-com:office:office" xmlns:v="urn:schemas-microsoft-com:vml" xmlns:pvml="urn:schemas-microsoft-com:office:powerpoint" xmlns:com="http://schemas.openxmlformats.org/drawingml/2006/compatibility" xmlns:p14="http://schemas.microsoft.com/office/powerpoint/2010/main" xmlns:p15="http://schemas.microsoft.com/office/powerpoint/2012/main">
+  <p:cSld>
+    <p:spTree>
+      <p:nvGrpSpPr>
+        <p:cNvPr id="220" name="Shape 220"/>
+        <p:cNvGrpSpPr/>
+        <p:nvPr/>
+      </p:nvGrpSpPr>
+      <p:grpSpPr>
+        <a:xfrm>
+          <a:off x="0" y="0"/>
+          <a:ext cx="0" cy="0"/>
+          <a:chOff x="0" y="0"/>
+          <a:chExt cx="0" cy="0"/>
+        </a:xfrm>
+      </p:grpSpPr>
+      <p:sp>
+        <p:nvSpPr>
+          <p:cNvPr id="221" name="Google Shape;221;p31"/>
+          <p:cNvSpPr txBox="1"/>
+          <p:nvPr/>
+        </p:nvSpPr>
+        <p:spPr>
+          <a:xfrm>
+            <a:off x="2888341" y="3075052"/>
+            <a:ext cx="5599500" cy="708000"/>
+          </a:xfrm>
+          <a:prstGeom prst="rect">
+            <a:avLst/>
+          </a:prstGeom>
+          <a:noFill/>
+          <a:ln>
+            <a:noFill/>
+          </a:ln>
+        </p:spPr>
+        <p:txBody>
+          <a:bodyPr anchorCtr="0" anchor="t" bIns="45700" lIns="91425" spcFirstLastPara="1" rIns="91425" wrap="square" tIns="45700">
+            <a:noAutofit/>
+          </a:bodyPr>
+          <a:lstStyle/>
+          <a:p>
+            <a:pPr indent="0" lvl="0" marL="0" marR="0" rtl="0" algn="l">
+              <a:lnSpc>
+                <a:spcPct val="100000"/>
+              </a:lnSpc>
+              <a:spcBef>
+                <a:spcPts val="0"/>
+              </a:spcBef>
+              <a:spcAft>
+                <a:spcPts val="0"/>
+              </a:spcAft>
+              <a:buClr>
+                <a:srgbClr val="000000"/>
+              </a:buClr>
+              <a:buSzPts val="4000"/>
+              <a:buFont typeface="Arial"/>
+              <a:buNone/>
+            </a:pPr>
+            <a:r>
+              <a:rPr b="0" i="0" lang="ru-RU" sz="4000" u="none" cap="none" strike="noStrike">
+                <a:solidFill>
+                  <a:schemeClr val="dk1"/>
+                </a:solidFill>
+                <a:latin typeface="Trebuchet MS"/>
+                <a:ea typeface="Trebuchet MS"/>
+                <a:cs typeface="Trebuchet MS"/>
+                <a:sym typeface="Trebuchet MS"/>
+              </a:rPr>
+              <a:t>Спасибо за внимание !</a:t>
+            </a:r>
+            <a:endParaRPr b="0" i="0" sz="1400" u="none" cap="none" strike="noStrike">
+              <a:solidFill>
+                <a:srgbClr val="000000"/>
+              </a:solidFill>
+              <a:latin typeface="Arial"/>
+              <a:ea typeface="Arial"/>
+              <a:cs typeface="Arial"/>
+              <a:sym typeface="Arial"/>
+            </a:endParaRPr>
+          </a:p>
+        </p:txBody>
+      </p:sp>
+    </p:spTree>
+  </p:cSld>
+  <p:clrMapOvr>
+    <a:masterClrMapping/>
+  </p:clrMapOvr>
+</p:sld>
+</file>
+
 <file path=ppt/slides/slide2.xml><?xml version="1.0" encoding="utf-8"?>
 <p:sld xmlns:a="http://schemas.openxmlformats.org/drawingml/2006/main" xmlns:r="http://schemas.openxmlformats.org/officeDocument/2006/relationships" xmlns:mc="http://schemas.openxmlformats.org/markup-compatibility/2006" xmlns:mv="urn:schemas-microsoft-com:mac:vml" xmlns:p="http://schemas.openxmlformats.org/presentationml/2006/main" xmlns:c="http://schemas.openxmlformats.org/drawingml/2006/chart" xmlns:dgm="http://schemas.openxmlformats.org/drawingml/2006/diagram" xmlns:o="urn:schemas-microsoft-com:office:office" xmlns:v="urn:schemas-microsoft-com:vml" xmlns:pvml="urn:schemas-microsoft-com:office:powerpoint" xmlns:com="http://schemas.openxmlformats.org/drawingml/2006/compatibility" xmlns:p14="http://schemas.microsoft.com/office/powerpoint/2010/main" xmlns:p15="http://schemas.microsoft.com/office/powerpoint/2012/main">
   <p:cSld>
@@ -22147,12 +23218,60 @@
         <p:nvSpPr>
           <p:cNvPr id="185" name="Google Shape;185;p25"/>
           <p:cNvSpPr txBox="1"/>
-          <p:nvPr/>
+          <p:nvPr>
+            <p:ph type="title"/>
+          </p:nvPr>
         </p:nvSpPr>
         <p:spPr>
           <a:xfrm>
-            <a:off x="2888341" y="3075052"/>
-            <a:ext cx="5599500" cy="708000"/>
+            <a:off x="677334" y="609600"/>
+            <a:ext cx="8596800" cy="1320900"/>
+          </a:xfrm>
+          <a:prstGeom prst="rect">
+            <a:avLst/>
+          </a:prstGeom>
+        </p:spPr>
+        <p:txBody>
+          <a:bodyPr anchorCtr="0" anchor="t" bIns="45700" lIns="91425" spcFirstLastPara="1" rIns="91425" wrap="square" tIns="45700">
+            <a:noAutofit/>
+          </a:bodyPr>
+          <a:lstStyle/>
+          <a:p>
+            <a:pPr indent="0" lvl="0" marL="0" rtl="0" algn="l">
+              <a:spcBef>
+                <a:spcPts val="0"/>
+              </a:spcBef>
+              <a:spcAft>
+                <a:spcPts val="0"/>
+              </a:spcAft>
+              <a:buNone/>
+            </a:pPr>
+            <a:r>
+              <a:rPr lang="ru-RU"/>
+              <a:t>Функция объединения множеств</a:t>
+            </a:r>
+            <a:endParaRPr/>
+          </a:p>
+        </p:txBody>
+      </p:sp>
+      <p:pic>
+        <p:nvPicPr>
+          <p:cNvPr id="186" name="Google Shape;186;p25"/>
+          <p:cNvPicPr preferRelativeResize="0"/>
+          <p:nvPr/>
+        </p:nvPicPr>
+        <p:blipFill>
+          <a:blip r:embed="rId3">
+            <a:alphaModFix/>
+          </a:blip>
+          <a:stretch>
+            <a:fillRect/>
+          </a:stretch>
+        </p:blipFill>
+        <p:spPr>
+          <a:xfrm>
+            <a:off x="1844725" y="2141679"/>
+            <a:ext cx="6262000" cy="2574650"/>
           </a:xfrm>
           <a:prstGeom prst="rect">
             <a:avLst/>
@@ -22162,53 +23281,100 @@
             <a:noFill/>
           </a:ln>
         </p:spPr>
+      </p:pic>
+    </p:spTree>
+  </p:cSld>
+  <p:clrMapOvr>
+    <a:masterClrMapping/>
+  </p:clrMapOvr>
+</p:sld>
+</file>
+
+<file path=ppt/slides/slide9.xml><?xml version="1.0" encoding="utf-8"?>
+<p:sld xmlns:a="http://schemas.openxmlformats.org/drawingml/2006/main" xmlns:r="http://schemas.openxmlformats.org/officeDocument/2006/relationships" xmlns:mc="http://schemas.openxmlformats.org/markup-compatibility/2006" xmlns:mv="urn:schemas-microsoft-com:mac:vml" xmlns:p="http://schemas.openxmlformats.org/presentationml/2006/main" xmlns:c="http://schemas.openxmlformats.org/drawingml/2006/chart" xmlns:dgm="http://schemas.openxmlformats.org/drawingml/2006/diagram" xmlns:o="urn:schemas-microsoft-com:office:office" xmlns:v="urn:schemas-microsoft-com:vml" xmlns:pvml="urn:schemas-microsoft-com:office:powerpoint" xmlns:com="http://schemas.openxmlformats.org/drawingml/2006/compatibility" xmlns:p14="http://schemas.microsoft.com/office/powerpoint/2010/main" xmlns:p15="http://schemas.microsoft.com/office/powerpoint/2012/main">
+  <p:cSld>
+    <p:spTree>
+      <p:nvGrpSpPr>
+        <p:cNvPr id="190" name="Shape 190"/>
+        <p:cNvGrpSpPr/>
+        <p:nvPr/>
+      </p:nvGrpSpPr>
+      <p:grpSpPr>
+        <a:xfrm>
+          <a:off x="0" y="0"/>
+          <a:ext cx="0" cy="0"/>
+          <a:chOff x="0" y="0"/>
+          <a:chExt cx="0" cy="0"/>
+        </a:xfrm>
+      </p:grpSpPr>
+      <p:sp>
+        <p:nvSpPr>
+          <p:cNvPr id="191" name="Google Shape;191;p26"/>
+          <p:cNvSpPr txBox="1"/>
+          <p:nvPr>
+            <p:ph type="title"/>
+          </p:nvPr>
+        </p:nvSpPr>
+        <p:spPr>
+          <a:xfrm>
+            <a:off x="677334" y="609600"/>
+            <a:ext cx="8596800" cy="1320900"/>
+          </a:xfrm>
+          <a:prstGeom prst="rect">
+            <a:avLst/>
+          </a:prstGeom>
+        </p:spPr>
         <p:txBody>
           <a:bodyPr anchorCtr="0" anchor="t" bIns="45700" lIns="91425" spcFirstLastPara="1" rIns="91425" wrap="square" tIns="45700">
             <a:noAutofit/>
           </a:bodyPr>
           <a:lstStyle/>
           <a:p>
-            <a:pPr indent="0" lvl="0" marL="0" marR="0" rtl="0" algn="l">
-              <a:lnSpc>
-                <a:spcPct val="100000"/>
-              </a:lnSpc>
-              <a:spcBef>
-                <a:spcPts val="0"/>
-              </a:spcBef>
-              <a:spcAft>
-                <a:spcPts val="0"/>
-              </a:spcAft>
-              <a:buClr>
-                <a:srgbClr val="000000"/>
-              </a:buClr>
-              <a:buSzPts val="4000"/>
-              <a:buFont typeface="Arial"/>
+            <a:pPr indent="0" lvl="0" marL="0" rtl="0" algn="l">
+              <a:spcBef>
+                <a:spcPts val="0"/>
+              </a:spcBef>
+              <a:spcAft>
+                <a:spcPts val="0"/>
+              </a:spcAft>
               <a:buNone/>
             </a:pPr>
             <a:r>
-              <a:rPr b="0" i="0" lang="ru-RU" sz="4000" u="none" cap="none" strike="noStrike">
-                <a:solidFill>
-                  <a:schemeClr val="dk1"/>
-                </a:solidFill>
-                <a:latin typeface="Trebuchet MS"/>
-                <a:ea typeface="Trebuchet MS"/>
-                <a:cs typeface="Trebuchet MS"/>
-                <a:sym typeface="Trebuchet MS"/>
-              </a:rPr>
-              <a:t>Спасибо за внимание !</a:t>
+              <a:rPr lang="ru-RU"/>
+              <a:t>Функция пересечения множеств</a:t>
             </a:r>
-            <a:endParaRPr b="0" i="0" sz="1400" u="none" cap="none" strike="noStrike">
-              <a:solidFill>
-                <a:srgbClr val="000000"/>
-              </a:solidFill>
-              <a:latin typeface="Arial"/>
-              <a:ea typeface="Arial"/>
-              <a:cs typeface="Arial"/>
-              <a:sym typeface="Arial"/>
-            </a:endParaRPr>
+            <a:endParaRPr/>
           </a:p>
         </p:txBody>
       </p:sp>
+      <p:pic>
+        <p:nvPicPr>
+          <p:cNvPr id="192" name="Google Shape;192;p26"/>
+          <p:cNvPicPr preferRelativeResize="0"/>
+          <p:nvPr/>
+        </p:nvPicPr>
+        <p:blipFill>
+          <a:blip r:embed="rId3">
+            <a:alphaModFix/>
+          </a:blip>
+          <a:stretch>
+            <a:fillRect/>
+          </a:stretch>
+        </p:blipFill>
+        <p:spPr>
+          <a:xfrm>
+            <a:off x="1879713" y="2141673"/>
+            <a:ext cx="6192020" cy="2574650"/>
+          </a:xfrm>
+          <a:prstGeom prst="rect">
+            <a:avLst/>
+          </a:prstGeom>
+          <a:noFill/>
+          <a:ln>
+            <a:noFill/>
+          </a:ln>
+        </p:spPr>
+      </p:pic>
     </p:spTree>
   </p:cSld>
   <p:clrMapOvr>
